--- a/Question 2/assignment1-Question2.pptx
+++ b/Question 2/assignment1-Question2.pptx
@@ -276,7 +276,7 @@
           <a:p>
             <a:fld id="{8B0E6A47-36D6-4396-83D5-25DEB200D16C}" type="datetimeFigureOut">
               <a:rPr lang="en-US" smtClean="0"/>
-              <a:t>5/5/2021</a:t>
+              <a:t>5/10/2021</a:t>
             </a:fld>
             <a:endParaRPr lang="en-US"/>
           </a:p>
@@ -474,7 +474,7 @@
           <a:p>
             <a:fld id="{8B0E6A47-36D6-4396-83D5-25DEB200D16C}" type="datetimeFigureOut">
               <a:rPr lang="en-US" smtClean="0"/>
-              <a:t>5/5/2021</a:t>
+              <a:t>5/10/2021</a:t>
             </a:fld>
             <a:endParaRPr lang="en-US"/>
           </a:p>
@@ -682,7 +682,7 @@
           <a:p>
             <a:fld id="{8B0E6A47-36D6-4396-83D5-25DEB200D16C}" type="datetimeFigureOut">
               <a:rPr lang="en-US" smtClean="0"/>
-              <a:t>5/5/2021</a:t>
+              <a:t>5/10/2021</a:t>
             </a:fld>
             <a:endParaRPr lang="en-US"/>
           </a:p>
@@ -880,7 +880,7 @@
           <a:p>
             <a:fld id="{8B0E6A47-36D6-4396-83D5-25DEB200D16C}" type="datetimeFigureOut">
               <a:rPr lang="en-US" smtClean="0"/>
-              <a:t>5/5/2021</a:t>
+              <a:t>5/10/2021</a:t>
             </a:fld>
             <a:endParaRPr lang="en-US"/>
           </a:p>
@@ -1155,7 +1155,7 @@
           <a:p>
             <a:fld id="{8B0E6A47-36D6-4396-83D5-25DEB200D16C}" type="datetimeFigureOut">
               <a:rPr lang="en-US" smtClean="0"/>
-              <a:t>5/5/2021</a:t>
+              <a:t>5/10/2021</a:t>
             </a:fld>
             <a:endParaRPr lang="en-US"/>
           </a:p>
@@ -1420,7 +1420,7 @@
           <a:p>
             <a:fld id="{8B0E6A47-36D6-4396-83D5-25DEB200D16C}" type="datetimeFigureOut">
               <a:rPr lang="en-US" smtClean="0"/>
-              <a:t>5/5/2021</a:t>
+              <a:t>5/10/2021</a:t>
             </a:fld>
             <a:endParaRPr lang="en-US"/>
           </a:p>
@@ -1832,7 +1832,7 @@
           <a:p>
             <a:fld id="{8B0E6A47-36D6-4396-83D5-25DEB200D16C}" type="datetimeFigureOut">
               <a:rPr lang="en-US" smtClean="0"/>
-              <a:t>5/5/2021</a:t>
+              <a:t>5/10/2021</a:t>
             </a:fld>
             <a:endParaRPr lang="en-US"/>
           </a:p>
@@ -1973,7 +1973,7 @@
           <a:p>
             <a:fld id="{8B0E6A47-36D6-4396-83D5-25DEB200D16C}" type="datetimeFigureOut">
               <a:rPr lang="en-US" smtClean="0"/>
-              <a:t>5/5/2021</a:t>
+              <a:t>5/10/2021</a:t>
             </a:fld>
             <a:endParaRPr lang="en-US"/>
           </a:p>
@@ -2086,7 +2086,7 @@
           <a:p>
             <a:fld id="{8B0E6A47-36D6-4396-83D5-25DEB200D16C}" type="datetimeFigureOut">
               <a:rPr lang="en-US" smtClean="0"/>
-              <a:t>5/5/2021</a:t>
+              <a:t>5/10/2021</a:t>
             </a:fld>
             <a:endParaRPr lang="en-US"/>
           </a:p>
@@ -2397,7 +2397,7 @@
           <a:p>
             <a:fld id="{8B0E6A47-36D6-4396-83D5-25DEB200D16C}" type="datetimeFigureOut">
               <a:rPr lang="en-US" smtClean="0"/>
-              <a:t>5/5/2021</a:t>
+              <a:t>5/10/2021</a:t>
             </a:fld>
             <a:endParaRPr lang="en-US"/>
           </a:p>
@@ -2685,7 +2685,7 @@
           <a:p>
             <a:fld id="{8B0E6A47-36D6-4396-83D5-25DEB200D16C}" type="datetimeFigureOut">
               <a:rPr lang="en-US" smtClean="0"/>
-              <a:t>5/5/2021</a:t>
+              <a:t>5/10/2021</a:t>
             </a:fld>
             <a:endParaRPr lang="en-US"/>
           </a:p>
@@ -2926,7 +2926,7 @@
           <a:p>
             <a:fld id="{8B0E6A47-36D6-4396-83D5-25DEB200D16C}" type="datetimeFigureOut">
               <a:rPr lang="en-US" smtClean="0"/>
-              <a:t>5/5/2021</a:t>
+              <a:t>5/10/2021</a:t>
             </a:fld>
             <a:endParaRPr lang="en-US"/>
           </a:p>
@@ -3894,7 +3894,7 @@
         </p:spPr>
         <p:txBody>
           <a:bodyPr>
-            <a:normAutofit fontScale="70000" lnSpcReduction="20000"/>
+            <a:normAutofit/>
           </a:bodyPr>
           <a:lstStyle/>
           <a:p>
@@ -3918,15 +3918,6 @@
             <a:r>
               <a:rPr lang="en-US" dirty="0"/>
               <a:t>Then it loads the data into that table.</a:t>
-            </a:r>
-          </a:p>
-          <a:p>
-            <a:pPr marL="0" indent="0">
-              <a:buNone/>
-            </a:pPr>
-            <a:r>
-              <a:rPr lang="en-US" b="1" dirty="0"/>
-              <a:t>The Postgres Database changes the IP Randomly when the container is up , it usually reserve one of the below IPs , but sometimes it change it to 172.18.0.5 ,if the flow failed trying to access the Postgres on once of those IPs , then you will need to change it in this script to point to the right IP.</a:t>
             </a:r>
           </a:p>
           <a:p>
